--- a/3.analysis/results/progenitors/20210808_progenitors_logistic_regression_summary.pptx
+++ b/3.analysis/results/progenitors/20210808_progenitors_logistic_regression_summary.pptx
@@ -4076,7 +4076,7 @@
           <p:nvPr>
             <p:extLst>
               <p:ext uri="{D42A27DB-BD31-4B8C-83A1-F6EECF244321}">
-                <p14:modId xmlns:p14="http://schemas.microsoft.com/office/powerpoint/2010/main" val="950245010"/>
+                <p14:modId xmlns:p14="http://schemas.microsoft.com/office/powerpoint/2010/main" val="2654860877"/>
               </p:ext>
             </p:extLst>
           </p:nvPr>
@@ -4361,7 +4361,7 @@
                     <a:p>
                       <a:r>
                         <a:rPr lang="en-US" sz="1600" dirty="0"/>
-                        <a:t>0.924 ± 0.031</a:t>
+                        <a:t>0.924 ± 0.032</a:t>
                       </a:r>
                     </a:p>
                   </a:txBody>
@@ -4447,6 +4447,407 @@
                       <a:r>
                         <a:rPr lang="en-US" sz="1600" dirty="0"/>
                         <a:t>0.672 ± 0.112</a:t>
+                      </a:r>
+                    </a:p>
+                  </a:txBody>
+                  <a:tcPr/>
+                </a:tc>
+                <a:extLst>
+                  <a:ext uri="{0D108BD9-81ED-4DB2-BD59-A6C34878D82A}">
+                    <a16:rowId xmlns:a16="http://schemas.microsoft.com/office/drawing/2014/main" val="944414539"/>
+                  </a:ext>
+                </a:extLst>
+              </a:tr>
+            </a:tbl>
+          </a:graphicData>
+        </a:graphic>
+      </p:graphicFrame>
+      <p:graphicFrame>
+        <p:nvGraphicFramePr>
+          <p:cNvPr id="3" name="Table 4">
+            <a:extLst>
+              <a:ext uri="{FF2B5EF4-FFF2-40B4-BE49-F238E27FC236}">
+                <a16:creationId xmlns:a16="http://schemas.microsoft.com/office/drawing/2014/main" id="{C52C3491-4FB3-4791-B827-A24F5BDA1510}"/>
+              </a:ext>
+            </a:extLst>
+          </p:cNvPr>
+          <p:cNvGraphicFramePr>
+            <a:graphicFrameLocks noGrp="1"/>
+          </p:cNvGraphicFramePr>
+          <p:nvPr>
+            <p:extLst>
+              <p:ext uri="{D42A27DB-BD31-4B8C-83A1-F6EECF244321}">
+                <p14:modId xmlns:p14="http://schemas.microsoft.com/office/powerpoint/2010/main" val="265496594"/>
+              </p:ext>
+            </p:extLst>
+          </p:nvPr>
+        </p:nvGraphicFramePr>
+        <p:xfrm>
+          <a:off x="2031997" y="3429000"/>
+          <a:ext cx="7053282" cy="1981200"/>
+        </p:xfrm>
+        <a:graphic>
+          <a:graphicData uri="http://schemas.openxmlformats.org/drawingml/2006/table">
+            <a:tbl>
+              <a:tblPr firstRow="1" bandRow="1">
+                <a:tableStyleId>{5C22544A-7EE6-4342-B048-85BDC9FD1C3A}</a:tableStyleId>
+              </a:tblPr>
+              <a:tblGrid>
+                <a:gridCol w="1175547">
+                  <a:extLst>
+                    <a:ext uri="{9D8B030D-6E8A-4147-A177-3AD203B41FA5}">
+                      <a16:colId xmlns:a16="http://schemas.microsoft.com/office/drawing/2014/main" val="1171058629"/>
+                    </a:ext>
+                  </a:extLst>
+                </a:gridCol>
+                <a:gridCol w="1175547">
+                  <a:extLst>
+                    <a:ext uri="{9D8B030D-6E8A-4147-A177-3AD203B41FA5}">
+                      <a16:colId xmlns:a16="http://schemas.microsoft.com/office/drawing/2014/main" val="838326377"/>
+                    </a:ext>
+                  </a:extLst>
+                </a:gridCol>
+                <a:gridCol w="1175547">
+                  <a:extLst>
+                    <a:ext uri="{9D8B030D-6E8A-4147-A177-3AD203B41FA5}">
+                      <a16:colId xmlns:a16="http://schemas.microsoft.com/office/drawing/2014/main" val="4017900258"/>
+                    </a:ext>
+                  </a:extLst>
+                </a:gridCol>
+                <a:gridCol w="1175547">
+                  <a:extLst>
+                    <a:ext uri="{9D8B030D-6E8A-4147-A177-3AD203B41FA5}">
+                      <a16:colId xmlns:a16="http://schemas.microsoft.com/office/drawing/2014/main" val="3583425985"/>
+                    </a:ext>
+                  </a:extLst>
+                </a:gridCol>
+                <a:gridCol w="1175547">
+                  <a:extLst>
+                    <a:ext uri="{9D8B030D-6E8A-4147-A177-3AD203B41FA5}">
+                      <a16:colId xmlns:a16="http://schemas.microsoft.com/office/drawing/2014/main" val="636403300"/>
+                    </a:ext>
+                  </a:extLst>
+                </a:gridCol>
+                <a:gridCol w="1175547">
+                  <a:extLst>
+                    <a:ext uri="{9D8B030D-6E8A-4147-A177-3AD203B41FA5}">
+                      <a16:colId xmlns:a16="http://schemas.microsoft.com/office/drawing/2014/main" val="475560228"/>
+                    </a:ext>
+                  </a:extLst>
+                </a:gridCol>
+              </a:tblGrid>
+              <a:tr h="370840">
+                <a:tc>
+                  <a:txBody>
+                    <a:bodyPr/>
+                    <a:lstStyle/>
+                    <a:p>
+                      <a:r>
+                        <a:rPr lang="en-US" sz="1600" dirty="0"/>
+                        <a:t>Human only</a:t>
+                      </a:r>
+                    </a:p>
+                  </a:txBody>
+                  <a:tcPr/>
+                </a:tc>
+                <a:tc>
+                  <a:txBody>
+                    <a:bodyPr/>
+                    <a:lstStyle/>
+                    <a:p>
+                      <a:r>
+                        <a:rPr lang="en-US" sz="1600" dirty="0"/>
+                        <a:t>Exclude low cell </a:t>
+                      </a:r>
+                      <a:r>
+                        <a:rPr lang="en-US" sz="1600" dirty="0" err="1"/>
+                        <a:t>ct</a:t>
+                      </a:r>
+                      <a:endParaRPr lang="en-US" sz="1600" dirty="0"/>
+                    </a:p>
+                  </a:txBody>
+                  <a:tcPr/>
+                </a:tc>
+                <a:tc>
+                  <a:txBody>
+                    <a:bodyPr/>
+                    <a:lstStyle/>
+                    <a:p>
+                      <a:r>
+                        <a:rPr lang="en-US" sz="1600" dirty="0"/>
+                        <a:t>Swap isogenic</a:t>
+                      </a:r>
+                    </a:p>
+                  </a:txBody>
+                  <a:tcPr/>
+                </a:tc>
+                <a:tc>
+                  <a:txBody>
+                    <a:bodyPr/>
+                    <a:lstStyle/>
+                    <a:p>
+                      <a:r>
+                        <a:rPr lang="en-US" sz="1600" dirty="0"/>
+                        <a:t>Split type</a:t>
+                      </a:r>
+                    </a:p>
+                  </a:txBody>
+                  <a:tcPr/>
+                </a:tc>
+                <a:tc>
+                  <a:txBody>
+                    <a:bodyPr/>
+                    <a:lstStyle/>
+                    <a:p>
+                      <a:pPr marL="0" marR="0" lvl="0" indent="0" algn="l" defTabSz="914400" rtl="0" eaLnBrk="1" fontAlgn="auto" latinLnBrk="0" hangingPunct="1">
+                        <a:lnSpc>
+                          <a:spcPct val="100000"/>
+                        </a:lnSpc>
+                        <a:spcBef>
+                          <a:spcPts val="0"/>
+                        </a:spcBef>
+                        <a:spcAft>
+                          <a:spcPts val="0"/>
+                        </a:spcAft>
+                        <a:buClrTx/>
+                        <a:buSzTx/>
+                        <a:buFontTx/>
+                        <a:buNone/>
+                        <a:tabLst/>
+                        <a:defRPr/>
+                      </a:pPr>
+                      <a:r>
+                        <a:rPr lang="en-US" sz="1600" dirty="0"/>
+                        <a:t>Score on residuals,</a:t>
+                      </a:r>
+                    </a:p>
+                    <a:p>
+                      <a:pPr marL="0" marR="0" lvl="0" indent="0" algn="l" defTabSz="914400" rtl="0" eaLnBrk="1" fontAlgn="auto" latinLnBrk="0" hangingPunct="1">
+                        <a:lnSpc>
+                          <a:spcPct val="100000"/>
+                        </a:lnSpc>
+                        <a:spcBef>
+                          <a:spcPts val="0"/>
+                        </a:spcBef>
+                        <a:spcAft>
+                          <a:spcPts val="0"/>
+                        </a:spcAft>
+                        <a:buClrTx/>
+                        <a:buSzTx/>
+                        <a:buFontTx/>
+                        <a:buNone/>
+                        <a:tabLst/>
+                        <a:defRPr/>
+                      </a:pPr>
+                      <a:r>
+                        <a:rPr lang="en-US" sz="1600" dirty="0"/>
+                        <a:t>train</a:t>
+                      </a:r>
+                    </a:p>
+                  </a:txBody>
+                  <a:tcPr/>
+                </a:tc>
+                <a:tc>
+                  <a:txBody>
+                    <a:bodyPr/>
+                    <a:lstStyle/>
+                    <a:p>
+                      <a:pPr marL="0" marR="0" lvl="0" indent="0" algn="l" defTabSz="914400" rtl="0" eaLnBrk="1" fontAlgn="auto" latinLnBrk="0" hangingPunct="1">
+                        <a:lnSpc>
+                          <a:spcPct val="100000"/>
+                        </a:lnSpc>
+                        <a:spcBef>
+                          <a:spcPts val="0"/>
+                        </a:spcBef>
+                        <a:spcAft>
+                          <a:spcPts val="0"/>
+                        </a:spcAft>
+                        <a:buClrTx/>
+                        <a:buSzTx/>
+                        <a:buFontTx/>
+                        <a:buNone/>
+                        <a:tabLst/>
+                        <a:defRPr/>
+                      </a:pPr>
+                      <a:r>
+                        <a:rPr lang="en-US" sz="1600" dirty="0"/>
+                        <a:t>Score on residuals,</a:t>
+                      </a:r>
+                    </a:p>
+                    <a:p>
+                      <a:r>
+                        <a:rPr lang="en-US" sz="1600" dirty="0"/>
+                        <a:t>test</a:t>
+                      </a:r>
+                    </a:p>
+                  </a:txBody>
+                  <a:tcPr/>
+                </a:tc>
+                <a:extLst>
+                  <a:ext uri="{0D108BD9-81ED-4DB2-BD59-A6C34878D82A}">
+                    <a16:rowId xmlns:a16="http://schemas.microsoft.com/office/drawing/2014/main" val="3028325619"/>
+                  </a:ext>
+                </a:extLst>
+              </a:tr>
+              <a:tr h="370840">
+                <a:tc>
+                  <a:txBody>
+                    <a:bodyPr/>
+                    <a:lstStyle/>
+                    <a:p>
+                      <a:r>
+                        <a:rPr lang="en-US" sz="1600" dirty="0"/>
+                        <a:t>T</a:t>
+                      </a:r>
+                    </a:p>
+                  </a:txBody>
+                  <a:tcPr/>
+                </a:tc>
+                <a:tc>
+                  <a:txBody>
+                    <a:bodyPr/>
+                    <a:lstStyle/>
+                    <a:p>
+                      <a:r>
+                        <a:rPr lang="en-US" sz="1600" dirty="0"/>
+                        <a:t>n/a</a:t>
+                      </a:r>
+                    </a:p>
+                  </a:txBody>
+                  <a:tcPr/>
+                </a:tc>
+                <a:tc>
+                  <a:txBody>
+                    <a:bodyPr/>
+                    <a:lstStyle/>
+                    <a:p>
+                      <a:r>
+                        <a:rPr lang="en-US" sz="1600" dirty="0"/>
+                        <a:t>n/a</a:t>
+                      </a:r>
+                    </a:p>
+                  </a:txBody>
+                  <a:tcPr/>
+                </a:tc>
+                <a:tc>
+                  <a:txBody>
+                    <a:bodyPr/>
+                    <a:lstStyle/>
+                    <a:p>
+                      <a:r>
+                        <a:rPr lang="en-US" sz="1600" dirty="0"/>
+                        <a:t>Random</a:t>
+                      </a:r>
+                    </a:p>
+                  </a:txBody>
+                  <a:tcPr/>
+                </a:tc>
+                <a:tc>
+                  <a:txBody>
+                    <a:bodyPr/>
+                    <a:lstStyle/>
+                    <a:p>
+                      <a:r>
+                        <a:rPr lang="en-US" sz="1600" dirty="0"/>
+                        <a:t>1.00 ± 0.00</a:t>
+                      </a:r>
+                    </a:p>
+                  </a:txBody>
+                  <a:tcPr/>
+                </a:tc>
+                <a:tc>
+                  <a:txBody>
+                    <a:bodyPr/>
+                    <a:lstStyle/>
+                    <a:p>
+                      <a:r>
+                        <a:rPr lang="en-US" sz="1600" dirty="0"/>
+                        <a:t>0.967 ± 0.031</a:t>
+                      </a:r>
+                    </a:p>
+                  </a:txBody>
+                  <a:tcPr/>
+                </a:tc>
+                <a:extLst>
+                  <a:ext uri="{0D108BD9-81ED-4DB2-BD59-A6C34878D82A}">
+                    <a16:rowId xmlns:a16="http://schemas.microsoft.com/office/drawing/2014/main" val="444580413"/>
+                  </a:ext>
+                </a:extLst>
+              </a:tr>
+              <a:tr h="370840">
+                <a:tc>
+                  <a:txBody>
+                    <a:bodyPr/>
+                    <a:lstStyle/>
+                    <a:p>
+                      <a:r>
+                        <a:rPr lang="en-US" sz="1600" dirty="0"/>
+                        <a:t>T</a:t>
+                      </a:r>
+                    </a:p>
+                  </a:txBody>
+                  <a:tcPr/>
+                </a:tc>
+                <a:tc>
+                  <a:txBody>
+                    <a:bodyPr/>
+                    <a:lstStyle/>
+                    <a:p>
+                      <a:r>
+                        <a:rPr lang="en-US" sz="1600" dirty="0"/>
+                        <a:t>n/a</a:t>
+                      </a:r>
+                    </a:p>
+                  </a:txBody>
+                  <a:tcPr/>
+                </a:tc>
+                <a:tc>
+                  <a:txBody>
+                    <a:bodyPr/>
+                    <a:lstStyle/>
+                    <a:p>
+                      <a:r>
+                        <a:rPr lang="en-US" sz="1600" dirty="0"/>
+                        <a:t>n/a</a:t>
+                      </a:r>
+                    </a:p>
+                  </a:txBody>
+                  <a:tcPr/>
+                </a:tc>
+                <a:tc>
+                  <a:txBody>
+                    <a:bodyPr/>
+                    <a:lstStyle/>
+                    <a:p>
+                      <a:r>
+                        <a:rPr lang="en-US" sz="1600" dirty="0"/>
+                        <a:t>By cell line</a:t>
+                      </a:r>
+                    </a:p>
+                  </a:txBody>
+                  <a:tcPr/>
+                </a:tc>
+                <a:tc>
+                  <a:txBody>
+                    <a:bodyPr/>
+                    <a:lstStyle/>
+                    <a:p>
+                      <a:r>
+                        <a:rPr lang="en-US" sz="1600" dirty="0"/>
+                        <a:t>1.00 ± 0.00</a:t>
+                      </a:r>
+                    </a:p>
+                  </a:txBody>
+                  <a:tcPr/>
+                </a:tc>
+                <a:tc>
+                  <a:txBody>
+                    <a:bodyPr/>
+                    <a:lstStyle/>
+                    <a:p>
+                      <a:r>
+                        <a:rPr lang="en-US" sz="1600" dirty="0"/>
+                        <a:t>0.868 ± 0.062</a:t>
                       </a:r>
                     </a:p>
                   </a:txBody>
@@ -4569,151 +4970,172 @@
           <a:chExt cx="0" cy="0"/>
         </a:xfrm>
       </p:grpSpPr>
-      <p:pic>
-        <p:nvPicPr>
-          <p:cNvPr id="1026" name="Picture 2">
-            <a:extLst>
-              <a:ext uri="{FF2B5EF4-FFF2-40B4-BE49-F238E27FC236}">
-                <a16:creationId xmlns:a16="http://schemas.microsoft.com/office/drawing/2014/main" id="{C48E6E24-D091-4480-A410-0E577EA78C7F}"/>
-              </a:ext>
-            </a:extLst>
-          </p:cNvPr>
-          <p:cNvPicPr>
-            <a:picLocks noChangeAspect="1" noChangeArrowheads="1"/>
-          </p:cNvPicPr>
+      <p:grpSp>
+        <p:nvGrpSpPr>
+          <p:cNvPr id="2" name="Group 1">
+            <a:extLst>
+              <a:ext uri="{FF2B5EF4-FFF2-40B4-BE49-F238E27FC236}">
+                <a16:creationId xmlns:a16="http://schemas.microsoft.com/office/drawing/2014/main" id="{0144053D-0D58-4ED2-B085-AB0D612B5F20}"/>
+              </a:ext>
+            </a:extLst>
+          </p:cNvPr>
+          <p:cNvGrpSpPr/>
           <p:nvPr/>
-        </p:nvPicPr>
-        <p:blipFill>
-          <a:blip r:embed="rId2">
-            <a:extLst>
-              <a:ext uri="{28A0092B-C50C-407E-A947-70E740481C1C}">
-                <a14:useLocalDpi xmlns:a14="http://schemas.microsoft.com/office/drawing/2010/main" val="0"/>
-              </a:ext>
-            </a:extLst>
-          </a:blip>
-          <a:srcRect/>
-          <a:stretch>
-            <a:fillRect/>
-          </a:stretch>
-        </p:blipFill>
-        <p:spPr bwMode="auto">
+        </p:nvGrpSpPr>
+        <p:grpSpPr>
           <a:xfrm>
             <a:off x="1157025" y="257175"/>
-            <a:ext cx="6505575" cy="6343650"/>
+            <a:ext cx="9530549" cy="6343650"/>
+            <a:chOff x="1157025" y="257175"/>
+            <a:chExt cx="9530549" cy="6343650"/>
           </a:xfrm>
-          <a:prstGeom prst="rect">
-            <a:avLst/>
-          </a:prstGeom>
-          <a:noFill/>
-          <a:extLst>
-            <a:ext uri="{909E8E84-426E-40DD-AFC4-6F175D3DCCD1}">
-              <a14:hiddenFill xmlns:a14="http://schemas.microsoft.com/office/drawing/2010/main">
-                <a:solidFill>
-                  <a:srgbClr val="FFFFFF"/>
-                </a:solidFill>
-              </a14:hiddenFill>
-            </a:ext>
-          </a:extLst>
-        </p:spPr>
-      </p:pic>
-      <p:sp>
-        <p:nvSpPr>
-          <p:cNvPr id="4" name="TextBox 3">
-            <a:extLst>
-              <a:ext uri="{FF2B5EF4-FFF2-40B4-BE49-F238E27FC236}">
-                <a16:creationId xmlns:a16="http://schemas.microsoft.com/office/drawing/2014/main" id="{3928DEF3-110D-42E6-A859-130D2A7EC396}"/>
-              </a:ext>
-            </a:extLst>
-          </p:cNvPr>
-          <p:cNvSpPr txBox="1"/>
-          <p:nvPr/>
-        </p:nvSpPr>
-        <p:spPr>
-          <a:xfrm>
-            <a:off x="8212822" y="1157681"/>
-            <a:ext cx="2474752" cy="3693319"/>
-          </a:xfrm>
-          <a:prstGeom prst="rect">
-            <a:avLst/>
-          </a:prstGeom>
-          <a:noFill/>
-        </p:spPr>
-        <p:txBody>
-          <a:bodyPr wrap="square" rtlCol="0">
-            <a:spAutoFit/>
-          </a:bodyPr>
-          <a:lstStyle/>
-          <a:p>
-            <a:r>
-              <a:rPr lang="en-US" dirty="0"/>
-              <a:t>Num removed due to low cell count:</a:t>
-            </a:r>
-          </a:p>
-          <a:p>
-            <a:endParaRPr lang="en-US" dirty="0"/>
-          </a:p>
-          <a:p>
-            <a:r>
-              <a:rPr lang="en-US" dirty="0"/>
-              <a:t>5: 8</a:t>
-            </a:r>
-          </a:p>
-          <a:p>
-            <a:r>
-              <a:rPr lang="en-US" dirty="0"/>
-              <a:t>6: 8</a:t>
-            </a:r>
-          </a:p>
-          <a:p>
-            <a:r>
-              <a:rPr lang="en-US" dirty="0"/>
-              <a:t>8: 5</a:t>
-            </a:r>
-          </a:p>
-          <a:p>
-            <a:r>
-              <a:rPr lang="en-US" dirty="0"/>
-              <a:t>12: 2</a:t>
-            </a:r>
-          </a:p>
-          <a:p>
-            <a:r>
-              <a:rPr lang="en-US" dirty="0"/>
-              <a:t>16: 3</a:t>
-            </a:r>
-          </a:p>
-          <a:p>
-            <a:r>
-              <a:rPr lang="en-US" dirty="0"/>
-              <a:t>21: 8</a:t>
-            </a:r>
-          </a:p>
-          <a:p>
-            <a:r>
-              <a:rPr lang="en-US" dirty="0"/>
-              <a:t>31: 4</a:t>
-            </a:r>
-          </a:p>
-          <a:p>
-            <a:r>
-              <a:rPr lang="en-US" dirty="0"/>
-              <a:t>33: 8</a:t>
-            </a:r>
-          </a:p>
-          <a:p>
-            <a:r>
-              <a:rPr lang="en-US" dirty="0"/>
-              <a:t>41: 2</a:t>
-            </a:r>
-          </a:p>
-          <a:p>
-            <a:r>
-              <a:rPr lang="en-US" dirty="0"/>
-              <a:t>46: 8</a:t>
-            </a:r>
-          </a:p>
-        </p:txBody>
-      </p:sp>
+        </p:grpSpPr>
+        <p:pic>
+          <p:nvPicPr>
+            <p:cNvPr id="1026" name="Picture 2">
+              <a:extLst>
+                <a:ext uri="{FF2B5EF4-FFF2-40B4-BE49-F238E27FC236}">
+                  <a16:creationId xmlns:a16="http://schemas.microsoft.com/office/drawing/2014/main" id="{C48E6E24-D091-4480-A410-0E577EA78C7F}"/>
+                </a:ext>
+              </a:extLst>
+            </p:cNvPr>
+            <p:cNvPicPr>
+              <a:picLocks noChangeAspect="1" noChangeArrowheads="1"/>
+            </p:cNvPicPr>
+            <p:nvPr/>
+          </p:nvPicPr>
+          <p:blipFill>
+            <a:blip r:embed="rId2">
+              <a:extLst>
+                <a:ext uri="{28A0092B-C50C-407E-A947-70E740481C1C}">
+                  <a14:useLocalDpi xmlns:a14="http://schemas.microsoft.com/office/drawing/2010/main" val="0"/>
+                </a:ext>
+              </a:extLst>
+            </a:blip>
+            <a:srcRect/>
+            <a:stretch>
+              <a:fillRect/>
+            </a:stretch>
+          </p:blipFill>
+          <p:spPr bwMode="auto">
+            <a:xfrm>
+              <a:off x="1157025" y="257175"/>
+              <a:ext cx="6505575" cy="6343650"/>
+            </a:xfrm>
+            <a:prstGeom prst="rect">
+              <a:avLst/>
+            </a:prstGeom>
+            <a:noFill/>
+            <a:extLst>
+              <a:ext uri="{909E8E84-426E-40DD-AFC4-6F175D3DCCD1}">
+                <a14:hiddenFill xmlns:a14="http://schemas.microsoft.com/office/drawing/2010/main">
+                  <a:solidFill>
+                    <a:srgbClr val="FFFFFF"/>
+                  </a:solidFill>
+                </a14:hiddenFill>
+              </a:ext>
+            </a:extLst>
+          </p:spPr>
+        </p:pic>
+        <p:sp>
+          <p:nvSpPr>
+            <p:cNvPr id="4" name="TextBox 3">
+              <a:extLst>
+                <a:ext uri="{FF2B5EF4-FFF2-40B4-BE49-F238E27FC236}">
+                  <a16:creationId xmlns:a16="http://schemas.microsoft.com/office/drawing/2014/main" id="{3928DEF3-110D-42E6-A859-130D2A7EC396}"/>
+                </a:ext>
+              </a:extLst>
+            </p:cNvPr>
+            <p:cNvSpPr txBox="1"/>
+            <p:nvPr/>
+          </p:nvSpPr>
+          <p:spPr>
+            <a:xfrm>
+              <a:off x="8212822" y="1157681"/>
+              <a:ext cx="2474752" cy="3693319"/>
+            </a:xfrm>
+            <a:prstGeom prst="rect">
+              <a:avLst/>
+            </a:prstGeom>
+            <a:noFill/>
+          </p:spPr>
+          <p:txBody>
+            <a:bodyPr wrap="square" rtlCol="0">
+              <a:spAutoFit/>
+            </a:bodyPr>
+            <a:lstStyle/>
+            <a:p>
+              <a:r>
+                <a:rPr lang="en-US" dirty="0"/>
+                <a:t>Num removed due to low cell count:</a:t>
+              </a:r>
+            </a:p>
+            <a:p>
+              <a:endParaRPr lang="en-US" dirty="0"/>
+            </a:p>
+            <a:p>
+              <a:r>
+                <a:rPr lang="en-US" dirty="0"/>
+                <a:t>5: 8</a:t>
+              </a:r>
+            </a:p>
+            <a:p>
+              <a:r>
+                <a:rPr lang="en-US" dirty="0"/>
+                <a:t>6: 8</a:t>
+              </a:r>
+            </a:p>
+            <a:p>
+              <a:r>
+                <a:rPr lang="en-US" dirty="0"/>
+                <a:t>8: 5</a:t>
+              </a:r>
+            </a:p>
+            <a:p>
+              <a:r>
+                <a:rPr lang="en-US" dirty="0"/>
+                <a:t>12: 2</a:t>
+              </a:r>
+            </a:p>
+            <a:p>
+              <a:r>
+                <a:rPr lang="en-US" dirty="0"/>
+                <a:t>16: 3</a:t>
+              </a:r>
+            </a:p>
+            <a:p>
+              <a:r>
+                <a:rPr lang="en-US" dirty="0"/>
+                <a:t>21: 8</a:t>
+              </a:r>
+            </a:p>
+            <a:p>
+              <a:r>
+                <a:rPr lang="en-US" dirty="0"/>
+                <a:t>31: 4</a:t>
+              </a:r>
+            </a:p>
+            <a:p>
+              <a:r>
+                <a:rPr lang="en-US" dirty="0"/>
+                <a:t>33: 8</a:t>
+              </a:r>
+            </a:p>
+            <a:p>
+              <a:r>
+                <a:rPr lang="en-US" dirty="0"/>
+                <a:t>41: 2</a:t>
+              </a:r>
+            </a:p>
+            <a:p>
+              <a:r>
+                <a:rPr lang="en-US" dirty="0"/>
+                <a:t>46: 8</a:t>
+              </a:r>
+            </a:p>
+          </p:txBody>
+        </p:sp>
+      </p:grpSp>
     </p:spTree>
     <p:extLst>
       <p:ext uri="{BB962C8B-B14F-4D97-AF65-F5344CB8AC3E}">
